--- a/Project details/Capstone PPT.pptx
+++ b/Project details/Capstone PPT.pptx
@@ -4683,15 +4683,45 @@
               <a:buNone/>
             </a:pPr>
             <a:r>
-              <a:rPr lang="en-US" b="0" i="0" u="none" strike="noStrike">
+              <a:rPr lang="en-US" b="0" i="0" u="none" strike="noStrike" dirty="0">
                 <a:effectLst/>
                 <a:latin typeface="Perpetua" panose="02020502060401020303" pitchFamily="18" charset="0"/>
               </a:rPr>
               <a:t>Develop a comprehensive Placement Manager system to streamline the placement process for the university. This system will record and manage all placement-related activities for each batch and program, including written tests, interviews, shortlisting, and job offers. Also, it can search for students placed in a specific company, batch-wise, location-wise, mean and median package, etc.</a:t>
             </a:r>
-            <a:endParaRPr lang="en-IN">
+          </a:p>
+          <a:p>
+            <a:pPr marL="0" indent="0">
+              <a:buNone/>
+            </a:pPr>
+            <a:endParaRPr lang="en-US" dirty="0">
               <a:latin typeface="Perpetua" panose="02020502060401020303" pitchFamily="18" charset="0"/>
             </a:endParaRPr>
+          </a:p>
+          <a:p>
+            <a:pPr marL="0" indent="0">
+              <a:buNone/>
+            </a:pPr>
+            <a:r>
+              <a:rPr lang="en-US" dirty="0">
+                <a:latin typeface="Perpetua" panose="02020502060401020303" pitchFamily="18" charset="0"/>
+              </a:rPr>
+              <a:t>LINK TO VIDEO EXPLANATION OF CODE:-</a:t>
+            </a:r>
+          </a:p>
+          <a:p>
+            <a:pPr marL="0" indent="0">
+              <a:buNone/>
+            </a:pPr>
+            <a:r>
+              <a:rPr lang="en-IN" sz="2000" dirty="0">
+                <a:solidFill>
+                  <a:schemeClr val="accent1"/>
+                </a:solidFill>
+                <a:latin typeface="Perpetua" panose="02020502060401020303" pitchFamily="18" charset="0"/>
+              </a:rPr>
+              <a:t>https://drive.google.com/file/d/1mIZ8LCg5qg9Qhf4YHbEWgcuGzo9lEQ5c/view?usp=sharing</a:t>
+            </a:r>
           </a:p>
         </p:txBody>
       </p:sp>
